--- a/Präsentation/hc_cvhci.pptx
+++ b/Präsentation/hc_cvhci.pptx
@@ -1732,7 +1732,7 @@
           <a:p>
             <a:fld id="{097E5A9B-EFEA-49D5-B1E3-8A74103C9BBC}" type="datetime1">
               <a:rPr lang="de-DE" noProof="0" smtClean="0"/>
-              <a:t>08.01.19</a:t>
+              <a:t>09.01.19</a:t>
             </a:fld>
             <a:endParaRPr lang="de-DE" noProof="0" dirty="0"/>
           </a:p>
@@ -1924,7 +1924,7 @@
           <a:p>
             <a:fld id="{29A111E4-9668-418B-AFA2-A301D6EA6363}" type="datetime1">
               <a:rPr lang="de-DE" noProof="0" smtClean="0"/>
-              <a:t>08.01.19</a:t>
+              <a:t>09.01.19</a:t>
             </a:fld>
             <a:endParaRPr lang="de-DE" noProof="0" dirty="0"/>
           </a:p>
@@ -2107,7 +2107,7 @@
           <a:p>
             <a:fld id="{7A5B5C66-4F04-4852-AC9C-67C3E6720CC5}" type="datetime1">
               <a:rPr lang="de-DE" noProof="0" smtClean="0"/>
-              <a:t>08.01.19</a:t>
+              <a:t>09.01.19</a:t>
             </a:fld>
             <a:endParaRPr lang="de-DE" noProof="0" dirty="0"/>
           </a:p>
@@ -2311,7 +2311,7 @@
           <a:p>
             <a:fld id="{05C3F59F-DA9A-49B5-B58C-27F4112D2D9B}" type="datetime1">
               <a:rPr lang="de-DE" noProof="0" smtClean="0"/>
-              <a:t>08.01.19</a:t>
+              <a:t>09.01.19</a:t>
             </a:fld>
             <a:endParaRPr lang="de-DE" noProof="0" dirty="0"/>
           </a:p>
@@ -2611,7 +2611,7 @@
           <a:p>
             <a:fld id="{C82EEAD2-596D-4B01-8B6D-498B80C03F76}" type="datetime1">
               <a:rPr lang="de-DE" noProof="0" smtClean="0"/>
-              <a:t>08.01.19</a:t>
+              <a:t>09.01.19</a:t>
             </a:fld>
             <a:endParaRPr lang="de-DE" noProof="0" dirty="0"/>
           </a:p>
@@ -3050,7 +3050,7 @@
           <a:p>
             <a:fld id="{2BD5CA12-2ED8-4EFC-8717-4B4AB8BFE509}" type="datetime1">
               <a:rPr lang="de-DE" noProof="0" smtClean="0"/>
-              <a:t>08.01.19</a:t>
+              <a:t>09.01.19</a:t>
             </a:fld>
             <a:endParaRPr lang="de-DE" noProof="0" dirty="0"/>
           </a:p>
@@ -3180,7 +3180,7 @@
           <a:p>
             <a:fld id="{89D19FA8-4311-4EDD-8A22-BBBD013965C4}" type="datetime1">
               <a:rPr lang="de-DE" noProof="0" smtClean="0"/>
-              <a:t>08.01.19</a:t>
+              <a:t>09.01.19</a:t>
             </a:fld>
             <a:endParaRPr lang="de-DE" noProof="0" dirty="0"/>
           </a:p>
@@ -3287,7 +3287,7 @@
           <a:p>
             <a:fld id="{BC4A2F7B-68D4-433C-AAE6-80FB12C38EC4}" type="datetime1">
               <a:rPr lang="de-DE" noProof="0" smtClean="0"/>
-              <a:t>08.01.19</a:t>
+              <a:t>09.01.19</a:t>
             </a:fld>
             <a:endParaRPr lang="de-DE" noProof="0" dirty="0"/>
           </a:p>
@@ -3576,7 +3576,7 @@
           <a:p>
             <a:fld id="{20BE0CA7-AC87-4EA2-9E5E-5ECD7E546197}" type="datetime1">
               <a:rPr lang="de-DE" noProof="0" smtClean="0"/>
-              <a:t>08.01.19</a:t>
+              <a:t>09.01.19</a:t>
             </a:fld>
             <a:endParaRPr lang="de-DE" noProof="0" dirty="0"/>
           </a:p>
@@ -3846,7 +3846,7 @@
           <a:p>
             <a:fld id="{8FDA9FBB-95E9-4B08-9DF2-3B2FEF7234A8}" type="datetime1">
               <a:rPr lang="de-DE" noProof="0" smtClean="0"/>
-              <a:t>08.01.19</a:t>
+              <a:t>09.01.19</a:t>
             </a:fld>
             <a:endParaRPr lang="de-DE" noProof="0" dirty="0"/>
           </a:p>
@@ -4539,7 +4539,7 @@
           <a:p>
             <a:fld id="{9B43B742-7080-4509-BC98-4990C9E6DEEC}" type="datetime1">
               <a:rPr lang="de-DE" noProof="0" smtClean="0"/>
-              <a:t>08.01.19</a:t>
+              <a:t>09.01.19</a:t>
             </a:fld>
             <a:endParaRPr lang="de-DE" noProof="0" dirty="0"/>
           </a:p>
@@ -5676,7 +5676,7 @@
           <a:p>
             <a:fld id="{7A5B5C66-4F04-4852-AC9C-67C3E6720CC5}" type="datetime1">
               <a:rPr lang="de-DE" noProof="0" smtClean="0"/>
-              <a:t>08.01.19</a:t>
+              <a:t>09.01.19</a:t>
             </a:fld>
             <a:endParaRPr lang="de-DE" noProof="0" dirty="0"/>
           </a:p>
@@ -6361,7 +6361,7 @@
           <a:p>
             <a:fld id="{7A5B5C66-4F04-4852-AC9C-67C3E6720CC5}" type="datetime1">
               <a:rPr lang="de-DE" noProof="0" smtClean="0"/>
-              <a:t>08.01.19</a:t>
+              <a:t>09.01.19</a:t>
             </a:fld>
             <a:endParaRPr lang="de-DE" noProof="0" dirty="0"/>
           </a:p>
@@ -6395,6 +6395,16 @@
           <a:lstStyle/>
           <a:p>
             <a:r>
+              <a:rPr lang="de-DE" sz="1400" dirty="0">
+                <a:solidFill>
+                  <a:schemeClr val="bg1">
+                    <a:lumMod val="65000"/>
+                  </a:schemeClr>
+                </a:solidFill>
+              </a:rPr>
+              <a:t>≈</a:t>
+            </a:r>
+            <a:r>
               <a:rPr lang="de-DE" sz="1400" kern="0" dirty="0">
                 <a:solidFill>
                   <a:schemeClr val="tx1">
@@ -6425,7 +6435,7 @@
                   </a:schemeClr>
                 </a:solidFill>
               </a:rPr>
-              <a:t> (~4000 </a:t>
+              <a:t> (4004 </a:t>
             </a:r>
             <a:r>
               <a:rPr lang="de-DE" sz="1400" kern="0" dirty="0" err="1">
@@ -6459,7 +6469,29 @@
                 </a:solidFill>
                 <a:sym typeface="Wingdings" pitchFamily="2" charset="2"/>
               </a:rPr>
-              <a:t> 99.7% f1-score on </a:t>
+              <a:t> </a:t>
+            </a:r>
+            <a:r>
+              <a:rPr lang="de-DE" sz="1400" dirty="0">
+                <a:solidFill>
+                  <a:schemeClr val="bg1">
+                    <a:lumMod val="65000"/>
+                  </a:schemeClr>
+                </a:solidFill>
+              </a:rPr>
+              <a:t>≈</a:t>
+            </a:r>
+            <a:r>
+              <a:rPr lang="de-DE" sz="1400" kern="0" dirty="0">
+                <a:solidFill>
+                  <a:schemeClr val="tx1">
+                    <a:lumMod val="50000"/>
+                    <a:lumOff val="50000"/>
+                  </a:schemeClr>
+                </a:solidFill>
+                <a:sym typeface="Wingdings" pitchFamily="2" charset="2"/>
+              </a:rPr>
+              <a:t>99% f1-score on </a:t>
             </a:r>
             <a:r>
               <a:rPr lang="de-DE" sz="1400" kern="0" dirty="0" err="1">
@@ -6524,9 +6556,9 @@
         <p:grpSpPr>
           <a:xfrm>
             <a:off x="179512" y="3361035"/>
-            <a:ext cx="8713725" cy="2499840"/>
+            <a:ext cx="7031589" cy="2499840"/>
             <a:chOff x="107504" y="3361035"/>
-            <a:chExt cx="8784975" cy="2520280"/>
+            <a:chExt cx="7089085" cy="2520280"/>
           </a:xfrm>
         </p:grpSpPr>
         <p:sp>
@@ -6691,43 +6723,43 @@
             </a:p>
           </p:txBody>
         </p:sp>
-        <p:pic>
-          <p:nvPicPr>
-            <p:cNvPr id="7" name="Grafik 6">
-              <a:extLst>
-                <a:ext uri="{FF2B5EF4-FFF2-40B4-BE49-F238E27FC236}">
-                  <a16:creationId xmlns:a16="http://schemas.microsoft.com/office/drawing/2014/main" id="{3544E96C-2B3B-684D-98D3-41C502D45A8F}"/>
-                </a:ext>
-              </a:extLst>
-            </p:cNvPr>
-            <p:cNvPicPr>
-              <a:picLocks noChangeAspect="1"/>
-            </p:cNvPicPr>
-            <p:nvPr/>
-          </p:nvPicPr>
-          <p:blipFill>
-            <a:blip r:embed="rId6">
-              <a:extLst>
-                <a:ext uri="{28A0092B-C50C-407E-A947-70E740481C1C}">
-                  <a14:useLocalDpi xmlns:a14="http://schemas.microsoft.com/office/drawing/2010/main" val="0"/>
-                </a:ext>
-              </a:extLst>
-            </a:blip>
-            <a:stretch>
-              <a:fillRect/>
-            </a:stretch>
-          </p:blipFill>
-          <p:spPr>
-            <a:xfrm>
-              <a:off x="201000" y="3475069"/>
-              <a:ext cx="8691479" cy="2319957"/>
-            </a:xfrm>
-            <a:prstGeom prst="rect">
-              <a:avLst/>
-            </a:prstGeom>
-          </p:spPr>
-        </p:pic>
       </p:grpSp>
+      <p:pic>
+        <p:nvPicPr>
+          <p:cNvPr id="9" name="Grafik 8">
+            <a:extLst>
+              <a:ext uri="{FF2B5EF4-FFF2-40B4-BE49-F238E27FC236}">
+                <a16:creationId xmlns:a16="http://schemas.microsoft.com/office/drawing/2014/main" id="{443073C5-5018-9F45-9DD4-01C612E4B4C2}"/>
+              </a:ext>
+            </a:extLst>
+          </p:cNvPr>
+          <p:cNvPicPr>
+            <a:picLocks noChangeAspect="1"/>
+          </p:cNvPicPr>
+          <p:nvPr/>
+        </p:nvPicPr>
+        <p:blipFill>
+          <a:blip r:embed="rId6">
+            <a:extLst>
+              <a:ext uri="{28A0092B-C50C-407E-A947-70E740481C1C}">
+                <a14:useLocalDpi xmlns:a14="http://schemas.microsoft.com/office/drawing/2010/main" val="0"/>
+              </a:ext>
+            </a:extLst>
+          </a:blip>
+          <a:stretch>
+            <a:fillRect/>
+          </a:stretch>
+        </p:blipFill>
+        <p:spPr>
+          <a:xfrm>
+            <a:off x="150651" y="3374904"/>
+            <a:ext cx="8835324" cy="2358352"/>
+          </a:xfrm>
+          <a:prstGeom prst="rect">
+            <a:avLst/>
+          </a:prstGeom>
+        </p:spPr>
+      </p:pic>
       <p:cxnSp>
         <p:nvCxnSpPr>
           <p:cNvPr id="23" name="Gerade Verbindung 22">
@@ -6788,7 +6820,7 @@
         <p:spPr>
           <a:xfrm>
             <a:off x="2771800" y="5229200"/>
-            <a:ext cx="2499551" cy="0"/>
+            <a:ext cx="2520280" cy="0"/>
           </a:xfrm>
           <a:prstGeom prst="line">
             <a:avLst/>
@@ -6830,7 +6862,7 @@
         </p:nvCxnSpPr>
         <p:spPr>
           <a:xfrm flipV="1">
-            <a:off x="5271351" y="4869160"/>
+            <a:off x="5292080" y="4869160"/>
             <a:ext cx="0" cy="360040"/>
           </a:xfrm>
           <a:prstGeom prst="straightConnector1">
@@ -6918,7 +6950,7 @@
         <p:spPr>
           <a:xfrm>
             <a:off x="1965399" y="5373216"/>
-            <a:ext cx="4118769" cy="0"/>
+            <a:ext cx="4190777" cy="0"/>
           </a:xfrm>
           <a:prstGeom prst="line">
             <a:avLst/>
@@ -6960,7 +6992,7 @@
         </p:nvCxnSpPr>
         <p:spPr>
           <a:xfrm flipV="1">
-            <a:off x="6084168" y="5013176"/>
+            <a:off x="6156176" y="5013176"/>
             <a:ext cx="0" cy="360040"/>
           </a:xfrm>
           <a:prstGeom prst="straightConnector1">
@@ -7047,8 +7079,8 @@
         </p:nvCxnSpPr>
         <p:spPr>
           <a:xfrm flipV="1">
-            <a:off x="1403648" y="5517231"/>
-            <a:ext cx="5253562" cy="1"/>
+            <a:off x="1403648" y="5499319"/>
+            <a:ext cx="5328590" cy="17914"/>
           </a:xfrm>
           <a:prstGeom prst="line">
             <a:avLst/>
@@ -7090,8 +7122,8 @@
         </p:nvCxnSpPr>
         <p:spPr>
           <a:xfrm flipV="1">
-            <a:off x="6657210" y="5099828"/>
-            <a:ext cx="1" cy="417403"/>
+            <a:off x="6732240" y="5099829"/>
+            <a:ext cx="0" cy="399490"/>
           </a:xfrm>
           <a:prstGeom prst="straightConnector1">
             <a:avLst/>
@@ -7254,8 +7286,112 @@
           <a:p>
             <a:pPr lvl="1"/>
             <a:r>
+              <a:rPr lang="de-DE" b="1" dirty="0" err="1"/>
+              <a:t>Softmax</a:t>
+            </a:r>
+            <a:r>
+              <a:rPr lang="de-DE" b="1" dirty="0"/>
+              <a:t> </a:t>
+            </a:r>
+            <a:r>
+              <a:rPr lang="de-DE" b="1" dirty="0" err="1"/>
+              <a:t>with</a:t>
+            </a:r>
+            <a:r>
+              <a:rPr lang="de-DE" b="1" dirty="0"/>
+              <a:t> Cross </a:t>
+            </a:r>
+            <a:r>
+              <a:rPr lang="de-DE" b="1" dirty="0" err="1"/>
+              <a:t>Entropy</a:t>
+            </a:r>
+            <a:r>
+              <a:rPr lang="de-DE" dirty="0"/>
+              <a:t>: </a:t>
+            </a:r>
+            <a:r>
               <a:rPr lang="de-DE" dirty="0" err="1"/>
-              <a:t>Softmax</a:t>
+              <a:t>Converged</a:t>
+            </a:r>
+            <a:r>
+              <a:rPr lang="de-DE" dirty="0"/>
+              <a:t> at ≈70% f1-score</a:t>
+            </a:r>
+          </a:p>
+          <a:p>
+            <a:pPr marL="933450" lvl="2" indent="0">
+              <a:buNone/>
+            </a:pPr>
+            <a:endParaRPr lang="de-DE" dirty="0"/>
+          </a:p>
+          <a:p>
+            <a:r>
+              <a:rPr lang="de-DE" dirty="0"/>
+              <a:t>Other </a:t>
+            </a:r>
+            <a:r>
+              <a:rPr lang="de-DE" dirty="0" err="1"/>
+              <a:t>Architectures</a:t>
+            </a:r>
+            <a:endParaRPr lang="de-DE" dirty="0"/>
+          </a:p>
+          <a:p>
+            <a:pPr lvl="1"/>
+            <a:r>
+              <a:rPr lang="de-DE" b="1" dirty="0" err="1"/>
+              <a:t>Without</a:t>
+            </a:r>
+            <a:r>
+              <a:rPr lang="de-DE" b="1" dirty="0"/>
+              <a:t> </a:t>
+            </a:r>
+            <a:r>
+              <a:rPr lang="de-DE" b="1" dirty="0">
+                <a:solidFill>
+                  <a:srgbClr val="0070C0"/>
+                </a:solidFill>
+              </a:rPr>
+              <a:t>Additional </a:t>
+            </a:r>
+            <a:r>
+              <a:rPr lang="de-DE" b="1" dirty="0" err="1">
+                <a:solidFill>
+                  <a:srgbClr val="0070C0"/>
+                </a:solidFill>
+              </a:rPr>
+              <a:t>Conv</a:t>
+            </a:r>
+            <a:r>
+              <a:rPr lang="de-DE" b="1" dirty="0">
+                <a:solidFill>
+                  <a:srgbClr val="0070C0"/>
+                </a:solidFill>
+              </a:rPr>
+              <a:t>-Block</a:t>
+            </a:r>
+            <a:r>
+              <a:rPr lang="de-DE" dirty="0"/>
+              <a:t>: ≈93.5 f1-score</a:t>
+            </a:r>
+            <a:endParaRPr lang="de-DE" dirty="0">
+              <a:solidFill>
+                <a:srgbClr val="0070C0"/>
+              </a:solidFill>
+            </a:endParaRPr>
+          </a:p>
+          <a:p>
+            <a:pPr lvl="1"/>
+            <a:r>
+              <a:rPr lang="de-DE" b="1" dirty="0"/>
+              <a:t>FCN-8</a:t>
+            </a:r>
+            <a:r>
+              <a:rPr lang="de-DE" dirty="0"/>
+              <a:t>: VGG16 </a:t>
+            </a:r>
+            <a:r>
+              <a:rPr lang="de-DE" dirty="0" err="1"/>
+              <a:t>too</a:t>
             </a:r>
             <a:r>
               <a:rPr lang="de-DE" dirty="0"/>
@@ -7263,7 +7399,7 @@
             </a:r>
             <a:r>
               <a:rPr lang="de-DE" dirty="0" err="1"/>
-              <a:t>with</a:t>
+              <a:t>big</a:t>
             </a:r>
             <a:r>
               <a:rPr lang="de-DE" dirty="0"/>
@@ -7271,56 +7407,15 @@
             </a:r>
             <a:r>
               <a:rPr lang="de-DE" dirty="0" err="1"/>
-              <a:t>CrossEntropy</a:t>
-            </a:r>
-            <a:endParaRPr lang="de-DE" dirty="0"/>
-          </a:p>
-          <a:p>
-            <a:pPr lvl="2"/>
+              <a:t>for</a:t>
+            </a:r>
+            <a:r>
+              <a:rPr lang="de-DE" dirty="0"/>
+              <a:t> Google </a:t>
+            </a:r>
             <a:r>
               <a:rPr lang="de-DE" dirty="0" err="1"/>
-              <a:t>Converged</a:t>
-            </a:r>
-            <a:r>
-              <a:rPr lang="de-DE" dirty="0"/>
-              <a:t> at ~30% </a:t>
-            </a:r>
-            <a:r>
-              <a:rPr lang="de-DE" dirty="0" err="1"/>
-              <a:t>error</a:t>
-            </a:r>
-            <a:endParaRPr lang="de-DE" dirty="0"/>
-          </a:p>
-          <a:p>
-            <a:endParaRPr lang="de-DE" dirty="0"/>
-          </a:p>
-          <a:p>
-            <a:r>
-              <a:rPr lang="de-DE" dirty="0"/>
-              <a:t>Other </a:t>
-            </a:r>
-            <a:r>
-              <a:rPr lang="de-DE" dirty="0" err="1"/>
-              <a:t>Architectures</a:t>
-            </a:r>
-            <a:endParaRPr lang="de-DE" dirty="0"/>
-          </a:p>
-          <a:p>
-            <a:pPr lvl="1"/>
-            <a:r>
-              <a:rPr lang="de-DE" dirty="0"/>
-              <a:t>FCN-8</a:t>
-            </a:r>
-          </a:p>
-          <a:p>
-            <a:pPr lvl="2"/>
-            <a:r>
-              <a:rPr lang="de-DE" dirty="0"/>
-              <a:t>VGG104 </a:t>
-            </a:r>
-            <a:r>
-              <a:rPr lang="de-DE" dirty="0" err="1"/>
-              <a:t>too</a:t>
+              <a:t>Colab's</a:t>
             </a:r>
             <a:r>
               <a:rPr lang="de-DE" dirty="0"/>
@@ -7328,39 +7423,30 @@
             </a:r>
             <a:r>
               <a:rPr lang="de-DE" dirty="0" err="1"/>
-              <a:t>big</a:t>
+              <a:t>free</a:t>
+            </a:r>
+            <a:r>
+              <a:rPr lang="de-DE" dirty="0"/>
+              <a:t> GPU RAM (≈12GB)</a:t>
+            </a:r>
+          </a:p>
+          <a:p>
+            <a:pPr lvl="1"/>
+            <a:r>
+              <a:rPr lang="de-DE" b="1" dirty="0" err="1"/>
+              <a:t>Unet</a:t>
+            </a:r>
+            <a:r>
+              <a:rPr lang="de-DE" dirty="0"/>
+              <a:t>: </a:t>
+            </a:r>
+            <a:r>
+              <a:rPr lang="de-DE" dirty="0" err="1"/>
+              <a:t>only</a:t>
             </a:r>
             <a:r>
               <a:rPr lang="de-DE" dirty="0"/>
               <a:t> </a:t>
-            </a:r>
-            <a:r>
-              <a:rPr lang="de-DE" dirty="0" err="1"/>
-              <a:t>for</a:t>
-            </a:r>
-            <a:r>
-              <a:rPr lang="de-DE" dirty="0"/>
-              <a:t> Google </a:t>
-            </a:r>
-            <a:r>
-              <a:rPr lang="de-DE" dirty="0" err="1"/>
-              <a:t>Colab</a:t>
-            </a:r>
-            <a:endParaRPr lang="de-DE" dirty="0"/>
-          </a:p>
-          <a:p>
-            <a:pPr lvl="1"/>
-            <a:r>
-              <a:rPr lang="de-DE" dirty="0" err="1"/>
-              <a:t>Unet</a:t>
-            </a:r>
-            <a:endParaRPr lang="de-DE" dirty="0"/>
-          </a:p>
-          <a:p>
-            <a:pPr lvl="2"/>
-            <a:r>
-              <a:rPr lang="de-DE" dirty="0"/>
-              <a:t>Just </a:t>
             </a:r>
             <a:r>
               <a:rPr lang="de-DE" dirty="0" err="1"/>
@@ -7439,66 +7525,37 @@
           <a:p>
             <a:pPr lvl="1"/>
             <a:r>
+              <a:rPr lang="de-DE" b="1" dirty="0" err="1"/>
+              <a:t>ResNet</a:t>
+            </a:r>
+            <a:r>
+              <a:rPr lang="de-DE" b="1" dirty="0"/>
+              <a:t> 50 </a:t>
+            </a:r>
+            <a:r>
+              <a:rPr lang="de-DE" b="1" dirty="0" err="1"/>
+              <a:t>with</a:t>
+            </a:r>
+            <a:r>
+              <a:rPr lang="de-DE" b="1" dirty="0"/>
+              <a:t> </a:t>
+            </a:r>
+            <a:r>
+              <a:rPr lang="de-DE" b="1" dirty="0" err="1"/>
+              <a:t>Deconvolutions</a:t>
+            </a:r>
+            <a:r>
+              <a:rPr lang="de-DE" dirty="0"/>
+              <a:t>: </a:t>
+            </a:r>
+            <a:r>
               <a:rPr lang="de-DE" dirty="0" err="1"/>
-              <a:t>Deeper</a:t>
+              <a:t>Converged</a:t>
             </a:r>
             <a:r>
               <a:rPr lang="de-DE" dirty="0"/>
-              <a:t> </a:t>
-            </a:r>
-            <a:r>
-              <a:rPr lang="de-DE" dirty="0" err="1"/>
-              <a:t>ResNet</a:t>
-            </a:r>
-            <a:r>
-              <a:rPr lang="de-DE" dirty="0"/>
-              <a:t> </a:t>
-            </a:r>
-            <a:r>
-              <a:rPr lang="de-DE" dirty="0" err="1"/>
-              <a:t>with</a:t>
-            </a:r>
-            <a:r>
-              <a:rPr lang="de-DE" dirty="0"/>
-              <a:t> </a:t>
-            </a:r>
-            <a:r>
-              <a:rPr lang="de-DE" dirty="0" err="1"/>
-              <a:t>Deconvolutions</a:t>
-            </a:r>
-            <a:endParaRPr lang="de-DE" dirty="0"/>
-          </a:p>
-          <a:p>
-            <a:pPr lvl="2"/>
-            <a:r>
-              <a:rPr lang="de-DE" dirty="0" err="1"/>
-              <a:t>Too</a:t>
-            </a:r>
-            <a:r>
-              <a:rPr lang="de-DE" dirty="0"/>
-              <a:t> </a:t>
-            </a:r>
-            <a:r>
-              <a:rPr lang="de-DE" dirty="0" err="1"/>
-              <a:t>big</a:t>
-            </a:r>
-            <a:r>
-              <a:rPr lang="de-DE" dirty="0"/>
-              <a:t> </a:t>
-            </a:r>
-            <a:r>
-              <a:rPr lang="de-DE" dirty="0" err="1"/>
-              <a:t>for</a:t>
-            </a:r>
-            <a:r>
-              <a:rPr lang="de-DE" dirty="0"/>
-              <a:t> Google </a:t>
-            </a:r>
-            <a:r>
-              <a:rPr lang="de-DE" dirty="0" err="1"/>
-              <a:t>Colab</a:t>
-            </a:r>
-            <a:endParaRPr lang="de-DE" dirty="0"/>
+              <a:t> at ≈75% f1-score</a:t>
+            </a:r>
           </a:p>
         </p:txBody>
       </p:sp>
@@ -7554,7 +7611,7 @@
           <a:p>
             <a:fld id="{7A5B5C66-4F04-4852-AC9C-67C3E6720CC5}" type="datetime1">
               <a:rPr lang="de-DE" noProof="0" smtClean="0"/>
-              <a:t>08.01.19</a:t>
+              <a:t>09.01.19</a:t>
             </a:fld>
             <a:endParaRPr lang="de-DE" noProof="0" dirty="0"/>
           </a:p>
@@ -7719,7 +7776,7 @@
           <a:p>
             <a:fld id="{7A5B5C66-4F04-4852-AC9C-67C3E6720CC5}" type="datetime1">
               <a:rPr lang="de-DE" noProof="0" smtClean="0"/>
-              <a:t>08.01.19</a:t>
+              <a:t>09.01.19</a:t>
             </a:fld>
             <a:endParaRPr lang="de-DE" noProof="0" dirty="0"/>
           </a:p>
@@ -7892,7 +7949,7 @@
           <a:p>
             <a:fld id="{7A5B5C66-4F04-4852-AC9C-67C3E6720CC5}" type="datetime1">
               <a:rPr lang="de-DE" noProof="0" smtClean="0"/>
-              <a:t>08.01.19</a:t>
+              <a:t>09.01.19</a:t>
             </a:fld>
             <a:endParaRPr lang="de-DE" noProof="0" dirty="0"/>
           </a:p>
